--- a/Vkr_p2.pptx
+++ b/Vkr_p2.pptx
@@ -317,7 +317,7 @@
               <a:pPr>
                 <a:defRPr/>
               </a:pPr>
-              <a:t>вс 05.05.19</a:t>
+              <a:t>пн 06.05.19</a:t>
             </a:fld>
             <a:endParaRPr lang="ru-RU"/>
           </a:p>
@@ -509,7 +509,7 @@
               <a:pPr>
                 <a:defRPr/>
               </a:pPr>
-              <a:t>вс 05.05.19</a:t>
+              <a:t>пн 06.05.19</a:t>
             </a:fld>
             <a:endParaRPr lang="ru-RU"/>
           </a:p>
@@ -711,7 +711,7 @@
               <a:pPr>
                 <a:defRPr/>
               </a:pPr>
-              <a:t>вс 05.05.19</a:t>
+              <a:t>пн 06.05.19</a:t>
             </a:fld>
             <a:endParaRPr lang="ru-RU"/>
           </a:p>
@@ -885,7 +885,7 @@
               <a:pPr>
                 <a:defRPr/>
               </a:pPr>
-              <a:t>вс 05.05.19</a:t>
+              <a:t>пн 06.05.19</a:t>
             </a:fld>
             <a:endParaRPr lang="ru-RU"/>
           </a:p>
@@ -1087,7 +1087,7 @@
               <a:pPr>
                 <a:defRPr/>
               </a:pPr>
-              <a:t>вс 05.05.19</a:t>
+              <a:t>пн 06.05.19</a:t>
             </a:fld>
             <a:endParaRPr lang="ru-RU"/>
           </a:p>
@@ -1355,7 +1355,7 @@
               <a:pPr>
                 <a:defRPr/>
               </a:pPr>
-              <a:t>вс 05.05.19</a:t>
+              <a:t>пн 06.05.19</a:t>
             </a:fld>
             <a:endParaRPr lang="ru-RU"/>
           </a:p>
@@ -1609,7 +1609,7 @@
               <a:pPr>
                 <a:defRPr/>
               </a:pPr>
-              <a:t>вс 05.05.19</a:t>
+              <a:t>пн 06.05.19</a:t>
             </a:fld>
             <a:endParaRPr lang="ru-RU"/>
           </a:p>
@@ -1998,7 +1998,7 @@
               <a:pPr>
                 <a:defRPr/>
               </a:pPr>
-              <a:t>вс 05.05.19</a:t>
+              <a:t>пн 06.05.19</a:t>
             </a:fld>
             <a:endParaRPr lang="ru-RU"/>
           </a:p>
@@ -2138,7 +2138,7 @@
               <a:pPr>
                 <a:defRPr/>
               </a:pPr>
-              <a:t>вс 05.05.19</a:t>
+              <a:t>пн 06.05.19</a:t>
             </a:fld>
             <a:endParaRPr lang="ru-RU"/>
           </a:p>
@@ -2255,7 +2255,7 @@
               <a:pPr>
                 <a:defRPr/>
               </a:pPr>
-              <a:t>вс 05.05.19</a:t>
+              <a:t>пн 06.05.19</a:t>
             </a:fld>
             <a:endParaRPr lang="ru-RU"/>
           </a:p>
@@ -2554,7 +2554,7 @@
               <a:pPr>
                 <a:defRPr/>
               </a:pPr>
-              <a:t>вс 05.05.19</a:t>
+              <a:t>пн 06.05.19</a:t>
             </a:fld>
             <a:endParaRPr lang="ru-RU"/>
           </a:p>
@@ -2832,7 +2832,7 @@
               <a:pPr>
                 <a:defRPr/>
               </a:pPr>
-              <a:t>вс 05.05.19</a:t>
+              <a:t>пн 06.05.19</a:t>
             </a:fld>
             <a:endParaRPr lang="ru-RU"/>
           </a:p>
@@ -3122,7 +3122,7 @@
               <a:pPr>
                 <a:defRPr/>
               </a:pPr>
-              <a:t>вс 05.05.19</a:t>
+              <a:t>пн 06.05.19</a:t>
             </a:fld>
             <a:endParaRPr lang="ru-RU"/>
           </a:p>
@@ -9530,19 +9530,7 @@
               <a:rPr lang="ru-RU" altLang="ru-RU" dirty="0" smtClean="0">
                 <a:latin typeface="Arial" panose="020B0604020202020204" pitchFamily="34" charset="0"/>
               </a:rPr>
-              <a:t>Интеграционного </a:t>
-            </a:r>
-            <a:r>
-              <a:rPr lang="ru-RU" altLang="ru-RU" dirty="0" smtClean="0">
-                <a:latin typeface="Arial" panose="020B0604020202020204" pitchFamily="34" charset="0"/>
-              </a:rPr>
-              <a:t>тестирования??</a:t>
-            </a:r>
-            <a:r>
-              <a:rPr lang="ru-RU" altLang="ru-RU" dirty="0" smtClean="0">
-                <a:latin typeface="Arial" panose="020B0604020202020204" pitchFamily="34" charset="0"/>
-              </a:rPr>
-              <a:t/>
+              <a:t>Интеграционного тестирования??</a:t>
             </a:r>
             <a:br>
               <a:rPr lang="ru-RU" altLang="ru-RU" dirty="0" smtClean="0">
@@ -9700,16 +9688,6 @@
                         </a:rPr>
                         <a:t>Модуль</a:t>
                       </a:r>
-                      <a:endParaRPr kumimoji="0" lang="ru-RU" altLang="ru-RU" sz="2400" b="0" i="0" u="none" strike="noStrike" cap="none" normalizeH="0" baseline="0" dirty="0" smtClean="0">
-                        <a:ln>
-                          <a:noFill/>
-                        </a:ln>
-                        <a:solidFill>
-                          <a:schemeClr val="tx1"/>
-                        </a:solidFill>
-                        <a:effectLst/>
-                        <a:latin typeface="Arial" panose="020B0604020202020204" pitchFamily="34" charset="0"/>
-                      </a:endParaRPr>
                     </a:p>
                   </a:txBody>
                   <a:tcPr horzOverflow="overflow">
@@ -10835,16 +10813,6 @@
                         </a:rPr>
                         <a:t>получаем исходное</a:t>
                       </a:r>
-                      <a:endParaRPr kumimoji="0" lang="ru-RU" altLang="ru-RU" sz="2400" b="0" i="0" u="none" strike="noStrike" cap="none" normalizeH="0" baseline="0" dirty="0" smtClean="0">
-                        <a:ln>
-                          <a:noFill/>
-                        </a:ln>
-                        <a:solidFill>
-                          <a:schemeClr val="tx1"/>
-                        </a:solidFill>
-                        <a:effectLst/>
-                        <a:latin typeface="Calibri" panose="020F0502020204030204" pitchFamily="34" charset="0"/>
-                      </a:endParaRPr>
                     </a:p>
                   </a:txBody>
                   <a:tcPr horzOverflow="overflow">

--- a/Vkr_p2.pptx
+++ b/Vkr_p2.pptx
@@ -18,17 +18,18 @@
     <p:sldId id="259" r:id="rId12"/>
     <p:sldId id="265" r:id="rId13"/>
     <p:sldId id="275" r:id="rId14"/>
-    <p:sldId id="260" r:id="rId15"/>
-    <p:sldId id="276" r:id="rId16"/>
-    <p:sldId id="261" r:id="rId17"/>
-    <p:sldId id="269" r:id="rId18"/>
-    <p:sldId id="270" r:id="rId19"/>
-    <p:sldId id="266" r:id="rId20"/>
-    <p:sldId id="278" r:id="rId21"/>
-    <p:sldId id="279" r:id="rId22"/>
-    <p:sldId id="280" r:id="rId23"/>
-    <p:sldId id="281" r:id="rId24"/>
-    <p:sldId id="277" r:id="rId25"/>
+    <p:sldId id="276" r:id="rId15"/>
+    <p:sldId id="260" r:id="rId16"/>
+    <p:sldId id="282" r:id="rId17"/>
+    <p:sldId id="261" r:id="rId18"/>
+    <p:sldId id="269" r:id="rId19"/>
+    <p:sldId id="270" r:id="rId20"/>
+    <p:sldId id="266" r:id="rId21"/>
+    <p:sldId id="278" r:id="rId22"/>
+    <p:sldId id="279" r:id="rId23"/>
+    <p:sldId id="280" r:id="rId24"/>
+    <p:sldId id="281" r:id="rId25"/>
+    <p:sldId id="277" r:id="rId26"/>
   </p:sldIdLst>
   <p:sldSz cx="12192000" cy="6858000"/>
   <p:notesSz cx="6858000" cy="9144000"/>
@@ -317,7 +318,7 @@
               <a:pPr>
                 <a:defRPr/>
               </a:pPr>
-              <a:t>пн 06.05.19</a:t>
+              <a:t>вт 07.05.19</a:t>
             </a:fld>
             <a:endParaRPr lang="ru-RU"/>
           </a:p>
@@ -509,7 +510,7 @@
               <a:pPr>
                 <a:defRPr/>
               </a:pPr>
-              <a:t>пн 06.05.19</a:t>
+              <a:t>вт 07.05.19</a:t>
             </a:fld>
             <a:endParaRPr lang="ru-RU"/>
           </a:p>
@@ -711,7 +712,7 @@
               <a:pPr>
                 <a:defRPr/>
               </a:pPr>
-              <a:t>пн 06.05.19</a:t>
+              <a:t>вт 07.05.19</a:t>
             </a:fld>
             <a:endParaRPr lang="ru-RU"/>
           </a:p>
@@ -885,7 +886,7 @@
               <a:pPr>
                 <a:defRPr/>
               </a:pPr>
-              <a:t>пн 06.05.19</a:t>
+              <a:t>вт 07.05.19</a:t>
             </a:fld>
             <a:endParaRPr lang="ru-RU"/>
           </a:p>
@@ -1087,7 +1088,7 @@
               <a:pPr>
                 <a:defRPr/>
               </a:pPr>
-              <a:t>пн 06.05.19</a:t>
+              <a:t>вт 07.05.19</a:t>
             </a:fld>
             <a:endParaRPr lang="ru-RU"/>
           </a:p>
@@ -1355,7 +1356,7 @@
               <a:pPr>
                 <a:defRPr/>
               </a:pPr>
-              <a:t>пн 06.05.19</a:t>
+              <a:t>вт 07.05.19</a:t>
             </a:fld>
             <a:endParaRPr lang="ru-RU"/>
           </a:p>
@@ -1609,7 +1610,7 @@
               <a:pPr>
                 <a:defRPr/>
               </a:pPr>
-              <a:t>пн 06.05.19</a:t>
+              <a:t>вт 07.05.19</a:t>
             </a:fld>
             <a:endParaRPr lang="ru-RU"/>
           </a:p>
@@ -1998,7 +1999,7 @@
               <a:pPr>
                 <a:defRPr/>
               </a:pPr>
-              <a:t>пн 06.05.19</a:t>
+              <a:t>вт 07.05.19</a:t>
             </a:fld>
             <a:endParaRPr lang="ru-RU"/>
           </a:p>
@@ -2138,7 +2139,7 @@
               <a:pPr>
                 <a:defRPr/>
               </a:pPr>
-              <a:t>пн 06.05.19</a:t>
+              <a:t>вт 07.05.19</a:t>
             </a:fld>
             <a:endParaRPr lang="ru-RU"/>
           </a:p>
@@ -2255,7 +2256,7 @@
               <a:pPr>
                 <a:defRPr/>
               </a:pPr>
-              <a:t>пн 06.05.19</a:t>
+              <a:t>вт 07.05.19</a:t>
             </a:fld>
             <a:endParaRPr lang="ru-RU"/>
           </a:p>
@@ -2554,7 +2555,7 @@
               <a:pPr>
                 <a:defRPr/>
               </a:pPr>
-              <a:t>пн 06.05.19</a:t>
+              <a:t>вт 07.05.19</a:t>
             </a:fld>
             <a:endParaRPr lang="ru-RU"/>
           </a:p>
@@ -2832,7 +2833,7 @@
               <a:pPr>
                 <a:defRPr/>
               </a:pPr>
-              <a:t>пн 06.05.19</a:t>
+              <a:t>вт 07.05.19</a:t>
             </a:fld>
             <a:endParaRPr lang="ru-RU"/>
           </a:p>
@@ -3122,7 +3123,7 @@
               <a:pPr>
                 <a:defRPr/>
               </a:pPr>
-              <a:t>пн 06.05.19</a:t>
+              <a:t>вт 07.05.19</a:t>
             </a:fld>
             <a:endParaRPr lang="ru-RU"/>
           </a:p>
@@ -8070,7 +8071,7 @@
       </p:grpSpPr>
       <p:sp>
         <p:nvSpPr>
-          <p:cNvPr id="15362" name="Заголовок 1"/>
+          <p:cNvPr id="16386" name="Заголовок 1"/>
           <p:cNvSpPr>
             <a:spLocks noGrp="1"/>
           </p:cNvSpPr>
@@ -8083,31 +8084,64 @@
           <a:bodyPr/>
           <a:lstStyle/>
           <a:p>
-            <a:pPr eaLnBrk="1" hangingPunct="1"/>
             <a:r>
               <a:rPr lang="en-US" altLang="ru-RU" smtClean="0"/>
-              <a:t>Kerberos</a:t>
-            </a:r>
-            <a:r>
-              <a:rPr lang="en-US" altLang="ru-RU" b="1" smtClean="0"/>
-              <a:t> </a:t>
-            </a:r>
-            <a:br>
-              <a:rPr lang="en-US" altLang="ru-RU" b="1" smtClean="0"/>
-            </a:br>
+              <a:t>OpenID connect</a:t>
+            </a:r>
             <a:endParaRPr lang="ru-RU" altLang="ru-RU" smtClean="0"/>
+          </a:p>
+        </p:txBody>
+      </p:sp>
+      <p:sp>
+        <p:nvSpPr>
+          <p:cNvPr id="16387" name="Объект 2"/>
+          <p:cNvSpPr>
+            <a:spLocks noGrp="1"/>
+          </p:cNvSpPr>
+          <p:nvPr>
+            <p:ph idx="1"/>
+          </p:nvPr>
+        </p:nvSpPr>
+        <p:spPr/>
+        <p:txBody>
+          <a:bodyPr/>
+          <a:lstStyle/>
+          <a:p>
+            <a:r>
+              <a:rPr lang="ru-RU" altLang="ru-RU" dirty="0"/>
+              <a:t>OpenID — открытый стандарт децентрализованной системы </a:t>
+            </a:r>
+            <a:r>
+              <a:rPr lang="ru-RU" altLang="ru-RU" dirty="0" smtClean="0"/>
+              <a:t>аутентификации, реализует </a:t>
+            </a:r>
+            <a:r>
+              <a:rPr lang="en-US" altLang="ru-RU" dirty="0" smtClean="0"/>
+              <a:t>SSO</a:t>
+            </a:r>
+            <a:r>
+              <a:rPr lang="ru-RU" altLang="ru-RU" dirty="0" smtClean="0"/>
+              <a:t>, использует </a:t>
+            </a:r>
+            <a:r>
+              <a:rPr lang="ru-RU" altLang="ru-RU" dirty="0"/>
+              <a:t>услуги третьих </a:t>
+            </a:r>
+            <a:r>
+              <a:rPr lang="ru-RU" altLang="ru-RU" dirty="0" smtClean="0"/>
+              <a:t>лиц.</a:t>
+            </a:r>
+            <a:endParaRPr lang="ru-RU" altLang="ru-RU" dirty="0" smtClean="0"/>
           </a:p>
         </p:txBody>
       </p:sp>
       <p:pic>
         <p:nvPicPr>
-          <p:cNvPr id="15363" name="Picture 2" descr="http://system-repair.net/img/Andronchik_image168.jpg"/>
+          <p:cNvPr id="16388" name="Picture 2" descr="https://s3.amazonaws.com/dfc-wiki/en/images/a/a6/OpenIDConnectRoles.png"/>
           <p:cNvPicPr>
-            <a:picLocks noGrp="1" noChangeAspect="1" noChangeArrowheads="1"/>
+            <a:picLocks noChangeAspect="1" noChangeArrowheads="1"/>
           </p:cNvPicPr>
-          <p:nvPr>
-            <p:ph idx="1"/>
-          </p:nvPr>
+          <p:nvPr/>
         </p:nvPicPr>
         <p:blipFill>
           <a:blip r:embed="rId2">
@@ -8122,12 +8156,37 @@
             <a:fillRect/>
           </a:stretch>
         </p:blipFill>
-        <p:spPr>
+        <p:spPr bwMode="auto">
           <a:xfrm>
-            <a:off x="2886075" y="2184400"/>
-            <a:ext cx="6419850" cy="3848100"/>
+            <a:off x="7608286" y="3336758"/>
+            <a:ext cx="3544987" cy="2753895"/>
           </a:xfrm>
+          <a:prstGeom prst="rect">
+            <a:avLst/>
+          </a:prstGeom>
           <a:noFill/>
+          <a:ln>
+            <a:noFill/>
+          </a:ln>
+          <a:extLst>
+            <a:ext uri="{909E8E84-426E-40DD-AFC4-6F175D3DCCD1}">
+              <a14:hiddenFill xmlns:a14="http://schemas.microsoft.com/office/drawing/2010/main">
+                <a:solidFill>
+                  <a:srgbClr val="FFFFFF"/>
+                </a:solidFill>
+              </a14:hiddenFill>
+            </a:ext>
+            <a:ext uri="{91240B29-F687-4F45-9708-019B960494DF}">
+              <a14:hiddenLine xmlns:a14="http://schemas.microsoft.com/office/drawing/2010/main" w="9525">
+                <a:solidFill>
+                  <a:srgbClr val="000000"/>
+                </a:solidFill>
+                <a:miter lim="800000"/>
+                <a:headEnd/>
+                <a:tailEnd/>
+              </a14:hiddenLine>
+            </a:ext>
+          </a:extLst>
         </p:spPr>
       </p:pic>
     </p:spTree>
@@ -8164,7 +8223,7 @@
       </p:grpSpPr>
       <p:sp>
         <p:nvSpPr>
-          <p:cNvPr id="16386" name="Заголовок 1"/>
+          <p:cNvPr id="15362" name="Заголовок 1"/>
           <p:cNvSpPr>
             <a:spLocks noGrp="1"/>
           </p:cNvSpPr>
@@ -8177,40 +8236,31 @@
           <a:bodyPr/>
           <a:lstStyle/>
           <a:p>
+            <a:pPr eaLnBrk="1" hangingPunct="1"/>
             <a:r>
               <a:rPr lang="en-US" altLang="ru-RU" smtClean="0"/>
-              <a:t>OpenID connect</a:t>
-            </a:r>
-            <a:endParaRPr lang="ru-RU" altLang="ru-RU" smtClean="0"/>
-          </a:p>
-        </p:txBody>
-      </p:sp>
-      <p:sp>
-        <p:nvSpPr>
-          <p:cNvPr id="16387" name="Объект 2"/>
-          <p:cNvSpPr>
-            <a:spLocks noGrp="1"/>
-          </p:cNvSpPr>
-          <p:nvPr>
-            <p:ph idx="1"/>
-          </p:nvPr>
-        </p:nvSpPr>
-        <p:spPr/>
-        <p:txBody>
-          <a:bodyPr/>
-          <a:lstStyle/>
-          <a:p>
+              <a:t>Kerberos</a:t>
+            </a:r>
+            <a:r>
+              <a:rPr lang="en-US" altLang="ru-RU" b="1" smtClean="0"/>
+              <a:t> </a:t>
+            </a:r>
+            <a:br>
+              <a:rPr lang="en-US" altLang="ru-RU" b="1" smtClean="0"/>
+            </a:br>
             <a:endParaRPr lang="ru-RU" altLang="ru-RU" smtClean="0"/>
           </a:p>
         </p:txBody>
       </p:sp>
       <p:pic>
         <p:nvPicPr>
-          <p:cNvPr id="16388" name="Picture 2" descr="https://s3.amazonaws.com/dfc-wiki/en/images/a/a6/OpenIDConnectRoles.png"/>
+          <p:cNvPr id="15363" name="Picture 2" descr="http://system-repair.net/img/Andronchik_image168.jpg"/>
           <p:cNvPicPr>
-            <a:picLocks noChangeAspect="1" noChangeArrowheads="1"/>
+            <a:picLocks noGrp="1" noChangeAspect="1" noChangeArrowheads="1"/>
           </p:cNvPicPr>
-          <p:nvPr/>
+          <p:nvPr>
+            <p:ph idx="1"/>
+          </p:nvPr>
         </p:nvPicPr>
         <p:blipFill>
           <a:blip r:embed="rId2">
@@ -8225,10 +8275,26 @@
             <a:fillRect/>
           </a:stretch>
         </p:blipFill>
+        <p:spPr>
+          <a:xfrm>
+            <a:off x="7275094" y="3594054"/>
+            <a:ext cx="4148388" cy="2486571"/>
+          </a:xfrm>
+          <a:noFill/>
+        </p:spPr>
+      </p:pic>
+      <p:sp>
+        <p:nvSpPr>
+          <p:cNvPr id="4" name="Объект 2"/>
+          <p:cNvSpPr txBox="1">
+            <a:spLocks/>
+          </p:cNvSpPr>
+          <p:nvPr/>
+        </p:nvSpPr>
         <p:spPr bwMode="auto">
           <a:xfrm>
-            <a:off x="3340100" y="2174875"/>
-            <a:ext cx="4524375" cy="3514725"/>
+            <a:off x="838200" y="1825625"/>
+            <a:ext cx="6613358" cy="4351338"/>
           </a:xfrm>
           <a:prstGeom prst="rect">
             <a:avLst/>
@@ -8257,7 +8323,250 @@
             </a:ext>
           </a:extLst>
         </p:spPr>
-      </p:pic>
+        <p:txBody>
+          <a:bodyPr vert="horz" wrap="square" lIns="91440" tIns="45720" rIns="91440" bIns="45720" numCol="1" anchor="t" anchorCtr="0" compatLnSpc="1">
+            <a:prstTxWarp prst="textNoShape">
+              <a:avLst/>
+            </a:prstTxWarp>
+          </a:bodyPr>
+          <a:lstStyle>
+            <a:lvl1pPr marL="228600" indent="-228600" algn="l" rtl="0" eaLnBrk="0" fontAlgn="base" hangingPunct="0">
+              <a:lnSpc>
+                <a:spcPct val="90000"/>
+              </a:lnSpc>
+              <a:spcBef>
+                <a:spcPts val="1000"/>
+              </a:spcBef>
+              <a:spcAft>
+                <a:spcPct val="0"/>
+              </a:spcAft>
+              <a:buFont typeface="Arial" panose="020B0604020202020204" pitchFamily="34" charset="0"/>
+              <a:buChar char="•"/>
+              <a:defRPr sz="2800" kern="1200">
+                <a:solidFill>
+                  <a:schemeClr val="tx1"/>
+                </a:solidFill>
+                <a:latin typeface="+mn-lt"/>
+                <a:ea typeface="+mn-ea"/>
+                <a:cs typeface="+mn-cs"/>
+              </a:defRPr>
+            </a:lvl1pPr>
+            <a:lvl2pPr marL="685800" indent="-228600" algn="l" rtl="0" eaLnBrk="0" fontAlgn="base" hangingPunct="0">
+              <a:lnSpc>
+                <a:spcPct val="90000"/>
+              </a:lnSpc>
+              <a:spcBef>
+                <a:spcPts val="500"/>
+              </a:spcBef>
+              <a:spcAft>
+                <a:spcPct val="0"/>
+              </a:spcAft>
+              <a:buFont typeface="Arial" panose="020B0604020202020204" pitchFamily="34" charset="0"/>
+              <a:buChar char="•"/>
+              <a:defRPr sz="2400" kern="1200">
+                <a:solidFill>
+                  <a:schemeClr val="tx1"/>
+                </a:solidFill>
+                <a:latin typeface="+mn-lt"/>
+                <a:ea typeface="+mn-ea"/>
+                <a:cs typeface="+mn-cs"/>
+              </a:defRPr>
+            </a:lvl2pPr>
+            <a:lvl3pPr marL="1143000" indent="-228600" algn="l" rtl="0" eaLnBrk="0" fontAlgn="base" hangingPunct="0">
+              <a:lnSpc>
+                <a:spcPct val="90000"/>
+              </a:lnSpc>
+              <a:spcBef>
+                <a:spcPts val="500"/>
+              </a:spcBef>
+              <a:spcAft>
+                <a:spcPct val="0"/>
+              </a:spcAft>
+              <a:buFont typeface="Arial" panose="020B0604020202020204" pitchFamily="34" charset="0"/>
+              <a:buChar char="•"/>
+              <a:defRPr sz="2000" kern="1200">
+                <a:solidFill>
+                  <a:schemeClr val="tx1"/>
+                </a:solidFill>
+                <a:latin typeface="+mn-lt"/>
+                <a:ea typeface="+mn-ea"/>
+                <a:cs typeface="+mn-cs"/>
+              </a:defRPr>
+            </a:lvl3pPr>
+            <a:lvl4pPr marL="1600200" indent="-228600" algn="l" rtl="0" eaLnBrk="0" fontAlgn="base" hangingPunct="0">
+              <a:lnSpc>
+                <a:spcPct val="90000"/>
+              </a:lnSpc>
+              <a:spcBef>
+                <a:spcPts val="500"/>
+              </a:spcBef>
+              <a:spcAft>
+                <a:spcPct val="0"/>
+              </a:spcAft>
+              <a:buFont typeface="Arial" panose="020B0604020202020204" pitchFamily="34" charset="0"/>
+              <a:buChar char="•"/>
+              <a:defRPr kern="1200">
+                <a:solidFill>
+                  <a:schemeClr val="tx1"/>
+                </a:solidFill>
+                <a:latin typeface="+mn-lt"/>
+                <a:ea typeface="+mn-ea"/>
+                <a:cs typeface="+mn-cs"/>
+              </a:defRPr>
+            </a:lvl4pPr>
+            <a:lvl5pPr marL="2057400" indent="-228600" algn="l" rtl="0" eaLnBrk="0" fontAlgn="base" hangingPunct="0">
+              <a:lnSpc>
+                <a:spcPct val="90000"/>
+              </a:lnSpc>
+              <a:spcBef>
+                <a:spcPts val="500"/>
+              </a:spcBef>
+              <a:spcAft>
+                <a:spcPct val="0"/>
+              </a:spcAft>
+              <a:buFont typeface="Arial" panose="020B0604020202020204" pitchFamily="34" charset="0"/>
+              <a:buChar char="•"/>
+              <a:defRPr kern="1200">
+                <a:solidFill>
+                  <a:schemeClr val="tx1"/>
+                </a:solidFill>
+                <a:latin typeface="+mn-lt"/>
+                <a:ea typeface="+mn-ea"/>
+                <a:cs typeface="+mn-cs"/>
+              </a:defRPr>
+            </a:lvl5pPr>
+            <a:lvl6pPr marL="2514600" indent="-228600" algn="l" defTabSz="914400" rtl="0" eaLnBrk="1" latinLnBrk="0" hangingPunct="1">
+              <a:lnSpc>
+                <a:spcPct val="90000"/>
+              </a:lnSpc>
+              <a:spcBef>
+                <a:spcPts val="500"/>
+              </a:spcBef>
+              <a:buFont typeface="Arial" panose="020B0604020202020204" pitchFamily="34" charset="0"/>
+              <a:buChar char="•"/>
+              <a:defRPr sz="1800" kern="1200">
+                <a:solidFill>
+                  <a:schemeClr val="tx1"/>
+                </a:solidFill>
+                <a:latin typeface="+mn-lt"/>
+                <a:ea typeface="+mn-ea"/>
+                <a:cs typeface="+mn-cs"/>
+              </a:defRPr>
+            </a:lvl6pPr>
+            <a:lvl7pPr marL="2971800" indent="-228600" algn="l" defTabSz="914400" rtl="0" eaLnBrk="1" latinLnBrk="0" hangingPunct="1">
+              <a:lnSpc>
+                <a:spcPct val="90000"/>
+              </a:lnSpc>
+              <a:spcBef>
+                <a:spcPts val="500"/>
+              </a:spcBef>
+              <a:buFont typeface="Arial" panose="020B0604020202020204" pitchFamily="34" charset="0"/>
+              <a:buChar char="•"/>
+              <a:defRPr sz="1800" kern="1200">
+                <a:solidFill>
+                  <a:schemeClr val="tx1"/>
+                </a:solidFill>
+                <a:latin typeface="+mn-lt"/>
+                <a:ea typeface="+mn-ea"/>
+                <a:cs typeface="+mn-cs"/>
+              </a:defRPr>
+            </a:lvl7pPr>
+            <a:lvl8pPr marL="3429000" indent="-228600" algn="l" defTabSz="914400" rtl="0" eaLnBrk="1" latinLnBrk="0" hangingPunct="1">
+              <a:lnSpc>
+                <a:spcPct val="90000"/>
+              </a:lnSpc>
+              <a:spcBef>
+                <a:spcPts val="500"/>
+              </a:spcBef>
+              <a:buFont typeface="Arial" panose="020B0604020202020204" pitchFamily="34" charset="0"/>
+              <a:buChar char="•"/>
+              <a:defRPr sz="1800" kern="1200">
+                <a:solidFill>
+                  <a:schemeClr val="tx1"/>
+                </a:solidFill>
+                <a:latin typeface="+mn-lt"/>
+                <a:ea typeface="+mn-ea"/>
+                <a:cs typeface="+mn-cs"/>
+              </a:defRPr>
+            </a:lvl8pPr>
+            <a:lvl9pPr marL="3886200" indent="-228600" algn="l" defTabSz="914400" rtl="0" eaLnBrk="1" latinLnBrk="0" hangingPunct="1">
+              <a:lnSpc>
+                <a:spcPct val="90000"/>
+              </a:lnSpc>
+              <a:spcBef>
+                <a:spcPts val="500"/>
+              </a:spcBef>
+              <a:buFont typeface="Arial" panose="020B0604020202020204" pitchFamily="34" charset="0"/>
+              <a:buChar char="•"/>
+              <a:defRPr sz="1800" kern="1200">
+                <a:solidFill>
+                  <a:schemeClr val="tx1"/>
+                </a:solidFill>
+                <a:latin typeface="+mn-lt"/>
+                <a:ea typeface="+mn-ea"/>
+                <a:cs typeface="+mn-cs"/>
+              </a:defRPr>
+            </a:lvl9pPr>
+          </a:lstStyle>
+          <a:p>
+            <a:pPr>
+              <a:defRPr/>
+            </a:pPr>
+            <a:r>
+              <a:rPr lang="ru-RU" dirty="0" smtClean="0"/>
+              <a:t>Сетевой </a:t>
+            </a:r>
+            <a:r>
+              <a:rPr lang="ru-RU" dirty="0"/>
+              <a:t>протокол </a:t>
+            </a:r>
+            <a:r>
+              <a:rPr lang="ru-RU" dirty="0" smtClean="0"/>
+              <a:t>аутентификации, с использованием доверенного 3 лица</a:t>
+            </a:r>
+          </a:p>
+          <a:p>
+            <a:pPr>
+              <a:defRPr/>
+            </a:pPr>
+            <a:r>
+              <a:rPr lang="ru-RU" dirty="0" smtClean="0"/>
+              <a:t>Протокол </a:t>
+            </a:r>
+            <a:r>
+              <a:rPr lang="en-US" dirty="0" smtClean="0"/>
+              <a:t>Kerberos </a:t>
+            </a:r>
+            <a:r>
+              <a:rPr lang="ru-RU" dirty="0" smtClean="0"/>
+              <a:t>реализован на основе  </a:t>
+            </a:r>
+            <a:r>
+              <a:rPr lang="en-US" dirty="0" smtClean="0"/>
+              <a:t>Active Directory</a:t>
+            </a:r>
+            <a:r>
+              <a:rPr lang="ru-RU" dirty="0" smtClean="0"/>
+              <a:t>, в состав которой также входит </a:t>
+            </a:r>
+            <a:r>
+              <a:rPr lang="en-US" dirty="0" smtClean="0"/>
+              <a:t>LDAP</a:t>
+            </a:r>
+            <a:r>
+              <a:rPr lang="ru-RU" dirty="0"/>
+              <a:t>.</a:t>
+            </a:r>
+            <a:endParaRPr lang="ru-RU" dirty="0">
+              <a:solidFill>
+                <a:schemeClr val="bg1">
+                  <a:lumMod val="85000"/>
+                </a:schemeClr>
+              </a:solidFill>
+            </a:endParaRPr>
+          </a:p>
+        </p:txBody>
+      </p:sp>
     </p:spTree>
   </p:cSld>
   <p:clrMapOvr>
@@ -8274,6 +8583,130 @@
 </file>
 
 <file path=ppt/slides/slide16.xml><?xml version="1.0" encoding="utf-8"?>
+<p:sld xmlns:a="http://schemas.openxmlformats.org/drawingml/2006/main" xmlns:r="http://schemas.openxmlformats.org/officeDocument/2006/relationships" xmlns:p="http://schemas.openxmlformats.org/presentationml/2006/main">
+  <p:cSld>
+    <p:spTree>
+      <p:nvGrpSpPr>
+        <p:cNvPr id="1" name=""/>
+        <p:cNvGrpSpPr/>
+        <p:nvPr/>
+      </p:nvGrpSpPr>
+      <p:grpSpPr>
+        <a:xfrm>
+          <a:off x="0" y="0"/>
+          <a:ext cx="0" cy="0"/>
+          <a:chOff x="0" y="0"/>
+          <a:chExt cx="0" cy="0"/>
+        </a:xfrm>
+      </p:grpSpPr>
+      <p:sp>
+        <p:nvSpPr>
+          <p:cNvPr id="2" name="Заголовок 1"/>
+          <p:cNvSpPr>
+            <a:spLocks noGrp="1"/>
+          </p:cNvSpPr>
+          <p:nvPr>
+            <p:ph type="title"/>
+          </p:nvPr>
+        </p:nvSpPr>
+        <p:spPr/>
+        <p:txBody>
+          <a:bodyPr/>
+          <a:lstStyle/>
+          <a:p>
+            <a:r>
+              <a:rPr lang="ru-RU" dirty="0" err="1"/>
+              <a:t>Active</a:t>
+            </a:r>
+            <a:r>
+              <a:rPr lang="ru-RU" dirty="0"/>
+              <a:t> </a:t>
+            </a:r>
+            <a:r>
+              <a:rPr lang="ru-RU" dirty="0" err="1"/>
+              <a:t>Directory</a:t>
+            </a:r>
+            <a:endParaRPr lang="ru-RU" dirty="0"/>
+          </a:p>
+        </p:txBody>
+      </p:sp>
+      <p:sp>
+        <p:nvSpPr>
+          <p:cNvPr id="3" name="Объект 2"/>
+          <p:cNvSpPr>
+            <a:spLocks noGrp="1"/>
+          </p:cNvSpPr>
+          <p:nvPr>
+            <p:ph idx="1"/>
+          </p:nvPr>
+        </p:nvSpPr>
+        <p:spPr/>
+        <p:txBody>
+          <a:bodyPr/>
+          <a:lstStyle/>
+          <a:p>
+            <a:r>
+              <a:rPr lang="ru-RU" dirty="0" err="1"/>
+              <a:t>Active</a:t>
+            </a:r>
+            <a:r>
+              <a:rPr lang="ru-RU" dirty="0"/>
+              <a:t> </a:t>
+            </a:r>
+            <a:r>
+              <a:rPr lang="ru-RU" dirty="0" err="1"/>
+              <a:t>Directory</a:t>
+            </a:r>
+            <a:r>
+              <a:rPr lang="ru-RU" dirty="0"/>
+              <a:t> (AD) — </a:t>
+            </a:r>
+            <a:r>
+              <a:rPr lang="ru-RU" dirty="0" smtClean="0"/>
+              <a:t>это набор служебных программ, разработанных </a:t>
+            </a:r>
+            <a:r>
+              <a:rPr lang="ru-RU" dirty="0"/>
+              <a:t>для </a:t>
+            </a:r>
+            <a:r>
+              <a:rPr lang="ru-RU" dirty="0" smtClean="0"/>
+              <a:t>ОС </a:t>
+            </a:r>
+            <a:r>
+              <a:rPr lang="en-US" dirty="0" smtClean="0"/>
+              <a:t>Windows</a:t>
+            </a:r>
+            <a:r>
+              <a:rPr lang="ru-RU" dirty="0" smtClean="0"/>
+              <a:t> </a:t>
+            </a:r>
+            <a:r>
+              <a:rPr lang="ru-RU" dirty="0" err="1" smtClean="0"/>
+              <a:t>Server</a:t>
+            </a:r>
+            <a:r>
+              <a:rPr lang="ru-RU" dirty="0" smtClean="0"/>
+              <a:t>. Позволяющих упростить реализацию сложных систем авторизации.</a:t>
+            </a:r>
+            <a:endParaRPr lang="ru-RU" dirty="0"/>
+          </a:p>
+        </p:txBody>
+      </p:sp>
+    </p:spTree>
+    <p:extLst>
+      <p:ext uri="{BB962C8B-B14F-4D97-AF65-F5344CB8AC3E}">
+        <p14:creationId xmlns:p14="http://schemas.microsoft.com/office/powerpoint/2010/main" val="1008347616"/>
+      </p:ext>
+    </p:extLst>
+  </p:cSld>
+  <p:clrMapOvr>
+    <a:masterClrMapping/>
+  </p:clrMapOvr>
+</p:sld>
+</file>
+
+<file path=ppt/slides/slide17.xml><?xml version="1.0" encoding="utf-8"?>
 <p:sld xmlns:a="http://schemas.openxmlformats.org/drawingml/2006/main" xmlns:r="http://schemas.openxmlformats.org/officeDocument/2006/relationships" xmlns:p="http://schemas.openxmlformats.org/presentationml/2006/main">
   <p:cSld>
     <p:spTree>
@@ -8447,7 +8880,7 @@
 </p:sld>
 </file>
 
-<file path=ppt/slides/slide17.xml><?xml version="1.0" encoding="utf-8"?>
+<file path=ppt/slides/slide18.xml><?xml version="1.0" encoding="utf-8"?>
 <p:sld xmlns:a="http://schemas.openxmlformats.org/drawingml/2006/main" xmlns:r="http://schemas.openxmlformats.org/officeDocument/2006/relationships" xmlns:p="http://schemas.openxmlformats.org/presentationml/2006/main">
   <p:cSld>
     <p:spTree>
@@ -8749,7 +9182,7 @@
 </p:sld>
 </file>
 
-<file path=ppt/slides/slide18.xml><?xml version="1.0" encoding="utf-8"?>
+<file path=ppt/slides/slide19.xml><?xml version="1.0" encoding="utf-8"?>
 <p:sld xmlns:a="http://schemas.openxmlformats.org/drawingml/2006/main" xmlns:r="http://schemas.openxmlformats.org/officeDocument/2006/relationships" xmlns:p="http://schemas.openxmlformats.org/presentationml/2006/main">
   <p:cSld>
     <p:spTree>
@@ -8943,156 +9376,6 @@
           <a:xfrm>
             <a:off x="838200" y="5438775"/>
             <a:ext cx="5354638" cy="1136650"/>
-          </a:xfrm>
-          <a:prstGeom prst="rect">
-            <a:avLst/>
-          </a:prstGeom>
-          <a:noFill/>
-          <a:ln>
-            <a:noFill/>
-          </a:ln>
-          <a:extLst>
-            <a:ext uri="{909E8E84-426E-40DD-AFC4-6F175D3DCCD1}">
-              <a14:hiddenFill xmlns:a14="http://schemas.microsoft.com/office/drawing/2010/main">
-                <a:solidFill>
-                  <a:srgbClr val="FFFFFF"/>
-                </a:solidFill>
-              </a14:hiddenFill>
-            </a:ext>
-            <a:ext uri="{91240B29-F687-4F45-9708-019B960494DF}">
-              <a14:hiddenLine xmlns:a14="http://schemas.microsoft.com/office/drawing/2010/main" w="9525">
-                <a:solidFill>
-                  <a:srgbClr val="000000"/>
-                </a:solidFill>
-                <a:miter lim="800000"/>
-                <a:headEnd/>
-                <a:tailEnd/>
-              </a14:hiddenLine>
-            </a:ext>
-          </a:extLst>
-        </p:spPr>
-      </p:pic>
-    </p:spTree>
-  </p:cSld>
-  <p:clrMapOvr>
-    <a:masterClrMapping/>
-  </p:clrMapOvr>
-  <p:timing>
-    <p:tnLst>
-      <p:par>
-        <p:cTn id="1" dur="indefinite" restart="never" nodeType="tmRoot"/>
-      </p:par>
-    </p:tnLst>
-  </p:timing>
-</p:sld>
-</file>
-
-<file path=ppt/slides/slide19.xml><?xml version="1.0" encoding="utf-8"?>
-<p:sld xmlns:a="http://schemas.openxmlformats.org/drawingml/2006/main" xmlns:r="http://schemas.openxmlformats.org/officeDocument/2006/relationships" xmlns:p="http://schemas.openxmlformats.org/presentationml/2006/main">
-  <p:cSld>
-    <p:spTree>
-      <p:nvGrpSpPr>
-        <p:cNvPr id="1" name=""/>
-        <p:cNvGrpSpPr/>
-        <p:nvPr/>
-      </p:nvGrpSpPr>
-      <p:grpSpPr>
-        <a:xfrm>
-          <a:off x="0" y="0"/>
-          <a:ext cx="0" cy="0"/>
-          <a:chOff x="0" y="0"/>
-          <a:chExt cx="0" cy="0"/>
-        </a:xfrm>
-      </p:grpSpPr>
-      <p:sp>
-        <p:nvSpPr>
-          <p:cNvPr id="20482" name="Заголовок 1"/>
-          <p:cNvSpPr>
-            <a:spLocks noGrp="1"/>
-          </p:cNvSpPr>
-          <p:nvPr>
-            <p:ph type="title"/>
-          </p:nvPr>
-        </p:nvSpPr>
-        <p:spPr/>
-        <p:txBody>
-          <a:bodyPr/>
-          <a:lstStyle/>
-          <a:p>
-            <a:r>
-              <a:rPr lang="ru-RU" altLang="ru-RU" smtClean="0"/>
-              <a:t>Нефункц. треб. </a:t>
-            </a:r>
-          </a:p>
-        </p:txBody>
-      </p:sp>
-      <p:sp>
-        <p:nvSpPr>
-          <p:cNvPr id="20483" name="Объект 2"/>
-          <p:cNvSpPr>
-            <a:spLocks noGrp="1"/>
-          </p:cNvSpPr>
-          <p:nvPr>
-            <p:ph idx="1"/>
-          </p:nvPr>
-        </p:nvSpPr>
-        <p:spPr/>
-        <p:txBody>
-          <a:bodyPr/>
-          <a:lstStyle/>
-          <a:p>
-            <a:r>
-              <a:rPr lang="ru-RU" altLang="ru-RU" smtClean="0"/>
-              <a:t>Необходим доступ к клиентским системам аутентификации\авторизации.</a:t>
-            </a:r>
-          </a:p>
-          <a:p>
-            <a:r>
-              <a:rPr lang="ru-RU" altLang="ru-RU" smtClean="0"/>
-              <a:t> Система будет развёрнута на сервере с 8 Гб ОЗУ и 2 ядерным процессором и должна обеспечивать быстрое</a:t>
-            </a:r>
-            <a:r>
-              <a:rPr lang="en-US" altLang="ru-RU" smtClean="0"/>
-              <a:t> (&lt; 0,5 c)</a:t>
-            </a:r>
-            <a:r>
-              <a:rPr lang="ru-RU" altLang="ru-RU" smtClean="0"/>
-              <a:t> выполнение запросов.</a:t>
-            </a:r>
-          </a:p>
-          <a:p>
-            <a:r>
-              <a:rPr lang="ru-RU" altLang="ru-RU" smtClean="0"/>
-              <a:t> В целях повышения надёжности, система должна поддерживать кластеризацию.</a:t>
-            </a:r>
-          </a:p>
-        </p:txBody>
-      </p:sp>
-      <p:pic>
-        <p:nvPicPr>
-          <p:cNvPr id="20484" name="Picture 5" descr="https://lh3.googleusercontent.com/J1KhVA2peXJDQhYzKuXeFcT2hwta1QFhXo5JhBSO5pfsu2IoJQ2gWgGc4O4UClA0GA"/>
-          <p:cNvPicPr>
-            <a:picLocks noChangeAspect="1" noChangeArrowheads="1"/>
-          </p:cNvPicPr>
-          <p:nvPr/>
-        </p:nvPicPr>
-        <p:blipFill>
-          <a:blip r:embed="rId2" cstate="print">
-            <a:extLst>
-              <a:ext uri="{28A0092B-C50C-407E-A947-70E740481C1C}">
-                <a14:useLocalDpi xmlns:a14="http://schemas.microsoft.com/office/drawing/2010/main" val="0"/>
-              </a:ext>
-            </a:extLst>
-          </a:blip>
-          <a:srcRect/>
-          <a:stretch>
-            <a:fillRect/>
-          </a:stretch>
-        </p:blipFill>
-        <p:spPr bwMode="auto">
-          <a:xfrm>
-            <a:off x="8751888" y="4737100"/>
-            <a:ext cx="1851025" cy="1851025"/>
           </a:xfrm>
           <a:prstGeom prst="rect">
             <a:avLst/>
@@ -9291,7 +9574,7 @@
       </p:grpSpPr>
       <p:sp>
         <p:nvSpPr>
-          <p:cNvPr id="33794" name="Rectangle 2"/>
+          <p:cNvPr id="20482" name="Заголовок 1"/>
           <p:cNvSpPr>
             <a:spLocks noGrp="1"/>
           </p:cNvSpPr>
@@ -9305,108 +9588,108 @@
           <a:lstStyle/>
           <a:p>
             <a:r>
-              <a:rPr lang="ru-RU" altLang="ru-RU" dirty="0" smtClean="0">
-                <a:latin typeface="Arial" panose="020B0604020202020204" pitchFamily="34" charset="0"/>
-              </a:rPr>
-              <a:t>Алгоритмы</a:t>
+              <a:rPr lang="ru-RU" altLang="ru-RU" smtClean="0"/>
+              <a:t>Нефункц. треб. </a:t>
             </a:r>
           </a:p>
         </p:txBody>
       </p:sp>
       <p:sp>
         <p:nvSpPr>
-          <p:cNvPr id="2" name="Овал 1"/>
-          <p:cNvSpPr/>
-          <p:nvPr/>
+          <p:cNvPr id="20483" name="Объект 2"/>
+          <p:cNvSpPr>
+            <a:spLocks noGrp="1"/>
+          </p:cNvSpPr>
+          <p:nvPr>
+            <p:ph idx="1"/>
+          </p:nvPr>
         </p:nvSpPr>
-        <p:spPr>
-          <a:xfrm>
-            <a:off x="4800600" y="1480930"/>
-            <a:ext cx="1649896" cy="775253"/>
-          </a:xfrm>
-          <a:prstGeom prst="ellipse">
-            <a:avLst/>
-          </a:prstGeom>
-          <a:noFill/>
-        </p:spPr>
-        <p:style>
-          <a:lnRef idx="2">
-            <a:schemeClr val="accent1">
-              <a:shade val="50000"/>
-            </a:schemeClr>
-          </a:lnRef>
-          <a:fillRef idx="1">
-            <a:schemeClr val="accent1"/>
-          </a:fillRef>
-          <a:effectRef idx="0">
-            <a:schemeClr val="accent1"/>
-          </a:effectRef>
-          <a:fontRef idx="minor">
-            <a:schemeClr val="lt1"/>
-          </a:fontRef>
-        </p:style>
+        <p:spPr/>
         <p:txBody>
-          <a:bodyPr rtlCol="0" anchor="ctr"/>
+          <a:bodyPr/>
           <a:lstStyle/>
           <a:p>
-            <a:pPr algn="ctr"/>
-            <a:r>
-              <a:rPr lang="ru-RU" dirty="0" smtClean="0">
-                <a:solidFill>
-                  <a:schemeClr val="tx1"/>
-                </a:solidFill>
-              </a:rPr>
-              <a:t>Начало</a:t>
-            </a:r>
-            <a:endParaRPr lang="ru-RU" dirty="0">
-              <a:solidFill>
-                <a:schemeClr val="tx1"/>
-              </a:solidFill>
-            </a:endParaRPr>
+            <a:r>
+              <a:rPr lang="ru-RU" altLang="ru-RU" smtClean="0"/>
+              <a:t>Необходим доступ к клиентским системам аутентификации\авторизации.</a:t>
+            </a:r>
+          </a:p>
+          <a:p>
+            <a:r>
+              <a:rPr lang="ru-RU" altLang="ru-RU" smtClean="0"/>
+              <a:t> Система будет развёрнута на сервере с 8 Гб ОЗУ и 2 ядерным процессором и должна обеспечивать быстрое</a:t>
+            </a:r>
+            <a:r>
+              <a:rPr lang="en-US" altLang="ru-RU" smtClean="0"/>
+              <a:t> (&lt; 0,5 c)</a:t>
+            </a:r>
+            <a:r>
+              <a:rPr lang="ru-RU" altLang="ru-RU" smtClean="0"/>
+              <a:t> выполнение запросов.</a:t>
+            </a:r>
+          </a:p>
+          <a:p>
+            <a:r>
+              <a:rPr lang="ru-RU" altLang="ru-RU" smtClean="0"/>
+              <a:t> В целях повышения надёжности, система должна поддерживать кластеризацию.</a:t>
+            </a:r>
           </a:p>
         </p:txBody>
       </p:sp>
-      <p:sp>
-        <p:nvSpPr>
-          <p:cNvPr id="3" name="Прямоугольник 2"/>
-          <p:cNvSpPr/>
+      <p:pic>
+        <p:nvPicPr>
+          <p:cNvPr id="20484" name="Picture 5" descr="https://lh3.googleusercontent.com/J1KhVA2peXJDQhYzKuXeFcT2hwta1QFhXo5JhBSO5pfsu2IoJQ2gWgGc4O4UClA0GA"/>
+          <p:cNvPicPr>
+            <a:picLocks noChangeAspect="1" noChangeArrowheads="1"/>
+          </p:cNvPicPr>
           <p:nvPr/>
-        </p:nvSpPr>
-        <p:spPr>
+        </p:nvPicPr>
+        <p:blipFill>
+          <a:blip r:embed="rId2" cstate="print">
+            <a:extLst>
+              <a:ext uri="{28A0092B-C50C-407E-A947-70E740481C1C}">
+                <a14:useLocalDpi xmlns:a14="http://schemas.microsoft.com/office/drawing/2010/main" val="0"/>
+              </a:ext>
+            </a:extLst>
+          </a:blip>
+          <a:srcRect/>
+          <a:stretch>
+            <a:fillRect/>
+          </a:stretch>
+        </p:blipFill>
+        <p:spPr bwMode="auto">
           <a:xfrm>
-            <a:off x="4601817" y="2626554"/>
-            <a:ext cx="2047461" cy="636104"/>
+            <a:off x="8751888" y="4737100"/>
+            <a:ext cx="1851025" cy="1851025"/>
           </a:xfrm>
           <a:prstGeom prst="rect">
             <a:avLst/>
           </a:prstGeom>
           <a:noFill/>
+          <a:ln>
+            <a:noFill/>
+          </a:ln>
+          <a:extLst>
+            <a:ext uri="{909E8E84-426E-40DD-AFC4-6F175D3DCCD1}">
+              <a14:hiddenFill xmlns:a14="http://schemas.microsoft.com/office/drawing/2010/main">
+                <a:solidFill>
+                  <a:srgbClr val="FFFFFF"/>
+                </a:solidFill>
+              </a14:hiddenFill>
+            </a:ext>
+            <a:ext uri="{91240B29-F687-4F45-9708-019B960494DF}">
+              <a14:hiddenLine xmlns:a14="http://schemas.microsoft.com/office/drawing/2010/main" w="9525">
+                <a:solidFill>
+                  <a:srgbClr val="000000"/>
+                </a:solidFill>
+                <a:miter lim="800000"/>
+                <a:headEnd/>
+                <a:tailEnd/>
+              </a14:hiddenLine>
+            </a:ext>
+          </a:extLst>
         </p:spPr>
-        <p:style>
-          <a:lnRef idx="2">
-            <a:schemeClr val="accent1">
-              <a:shade val="50000"/>
-            </a:schemeClr>
-          </a:lnRef>
-          <a:fillRef idx="1">
-            <a:schemeClr val="accent1"/>
-          </a:fillRef>
-          <a:effectRef idx="0">
-            <a:schemeClr val="accent1"/>
-          </a:effectRef>
-          <a:fontRef idx="minor">
-            <a:schemeClr val="lt1"/>
-          </a:fontRef>
-        </p:style>
-        <p:txBody>
-          <a:bodyPr rtlCol="0" anchor="ctr"/>
-          <a:lstStyle/>
-          <a:p>
-            <a:pPr algn="ctr"/>
-            <a:endParaRPr lang="ru-RU"/>
-          </a:p>
-        </p:txBody>
-      </p:sp>
+      </p:pic>
     </p:spTree>
   </p:cSld>
   <p:clrMapOvr>
@@ -9441,6 +9724,746 @@
       </p:grpSpPr>
       <p:sp>
         <p:nvSpPr>
+          <p:cNvPr id="33794" name="Rectangle 2"/>
+          <p:cNvSpPr>
+            <a:spLocks noGrp="1"/>
+          </p:cNvSpPr>
+          <p:nvPr>
+            <p:ph type="title"/>
+          </p:nvPr>
+        </p:nvSpPr>
+        <p:spPr/>
+        <p:txBody>
+          <a:bodyPr/>
+          <a:lstStyle/>
+          <a:p>
+            <a:r>
+              <a:rPr lang="ru-RU" altLang="ru-RU" dirty="0" smtClean="0">
+                <a:latin typeface="Arial" panose="020B0604020202020204" pitchFamily="34" charset="0"/>
+              </a:rPr>
+              <a:t>Алгоритмы</a:t>
+            </a:r>
+          </a:p>
+        </p:txBody>
+      </p:sp>
+      <p:sp>
+        <p:nvSpPr>
+          <p:cNvPr id="2" name="Овал 1"/>
+          <p:cNvSpPr/>
+          <p:nvPr/>
+        </p:nvSpPr>
+        <p:spPr>
+          <a:xfrm>
+            <a:off x="4624963" y="1390327"/>
+            <a:ext cx="1993232" cy="775253"/>
+          </a:xfrm>
+          <a:prstGeom prst="ellipse">
+            <a:avLst/>
+          </a:prstGeom>
+          <a:noFill/>
+        </p:spPr>
+        <p:style>
+          <a:lnRef idx="2">
+            <a:schemeClr val="accent1">
+              <a:shade val="50000"/>
+            </a:schemeClr>
+          </a:lnRef>
+          <a:fillRef idx="1">
+            <a:schemeClr val="accent1"/>
+          </a:fillRef>
+          <a:effectRef idx="0">
+            <a:schemeClr val="accent1"/>
+          </a:effectRef>
+          <a:fontRef idx="minor">
+            <a:schemeClr val="lt1"/>
+          </a:fontRef>
+        </p:style>
+        <p:txBody>
+          <a:bodyPr rtlCol="0" anchor="ctr"/>
+          <a:lstStyle/>
+          <a:p>
+            <a:pPr algn="ctr"/>
+            <a:r>
+              <a:rPr lang="ru-RU" dirty="0" smtClean="0">
+                <a:solidFill>
+                  <a:schemeClr val="tx1"/>
+                </a:solidFill>
+              </a:rPr>
+              <a:t>Начало</a:t>
+            </a:r>
+            <a:endParaRPr lang="ru-RU" dirty="0">
+              <a:solidFill>
+                <a:schemeClr val="tx1"/>
+              </a:solidFill>
+            </a:endParaRPr>
+          </a:p>
+        </p:txBody>
+      </p:sp>
+      <p:sp>
+        <p:nvSpPr>
+          <p:cNvPr id="3" name="Прямоугольник 2"/>
+          <p:cNvSpPr/>
+          <p:nvPr/>
+        </p:nvSpPr>
+        <p:spPr>
+          <a:xfrm>
+            <a:off x="4160572" y="2400210"/>
+            <a:ext cx="2929951" cy="406283"/>
+          </a:xfrm>
+          <a:prstGeom prst="rect">
+            <a:avLst/>
+          </a:prstGeom>
+          <a:noFill/>
+        </p:spPr>
+        <p:style>
+          <a:lnRef idx="2">
+            <a:schemeClr val="accent1">
+              <a:shade val="50000"/>
+            </a:schemeClr>
+          </a:lnRef>
+          <a:fillRef idx="1">
+            <a:schemeClr val="accent1"/>
+          </a:fillRef>
+          <a:effectRef idx="0">
+            <a:schemeClr val="accent1"/>
+          </a:effectRef>
+          <a:fontRef idx="minor">
+            <a:schemeClr val="lt1"/>
+          </a:fontRef>
+        </p:style>
+        <p:txBody>
+          <a:bodyPr rtlCol="0" anchor="ctr"/>
+          <a:lstStyle/>
+          <a:p>
+            <a:pPr algn="ctr"/>
+            <a:r>
+              <a:rPr lang="ru-RU" dirty="0" smtClean="0">
+                <a:solidFill>
+                  <a:schemeClr val="tx1"/>
+                </a:solidFill>
+              </a:rPr>
+              <a:t>Создать пустое сообщение</a:t>
+            </a:r>
+            <a:endParaRPr lang="ru-RU" dirty="0">
+              <a:solidFill>
+                <a:schemeClr val="tx1"/>
+              </a:solidFill>
+            </a:endParaRPr>
+          </a:p>
+        </p:txBody>
+      </p:sp>
+      <p:sp>
+        <p:nvSpPr>
+          <p:cNvPr id="5" name="Прямоугольник 4"/>
+          <p:cNvSpPr/>
+          <p:nvPr/>
+        </p:nvSpPr>
+        <p:spPr>
+          <a:xfrm>
+            <a:off x="3224136" y="3485498"/>
+            <a:ext cx="4794890" cy="421111"/>
+          </a:xfrm>
+          <a:prstGeom prst="rect">
+            <a:avLst/>
+          </a:prstGeom>
+          <a:noFill/>
+        </p:spPr>
+        <p:style>
+          <a:lnRef idx="2">
+            <a:schemeClr val="accent1">
+              <a:shade val="50000"/>
+            </a:schemeClr>
+          </a:lnRef>
+          <a:fillRef idx="1">
+            <a:schemeClr val="accent1"/>
+          </a:fillRef>
+          <a:effectRef idx="0">
+            <a:schemeClr val="accent1"/>
+          </a:effectRef>
+          <a:fontRef idx="minor">
+            <a:schemeClr val="lt1"/>
+          </a:fontRef>
+        </p:style>
+        <p:txBody>
+          <a:bodyPr rtlCol="0" anchor="ctr"/>
+          <a:lstStyle/>
+          <a:p>
+            <a:pPr algn="ctr"/>
+            <a:r>
+              <a:rPr lang="ru-RU" dirty="0" smtClean="0">
+                <a:solidFill>
+                  <a:schemeClr val="tx1"/>
+                </a:solidFill>
+              </a:rPr>
+              <a:t>Во вторую строку поместить текущее время</a:t>
+            </a:r>
+            <a:endParaRPr lang="ru-RU" dirty="0">
+              <a:solidFill>
+                <a:schemeClr val="tx1"/>
+              </a:solidFill>
+            </a:endParaRPr>
+          </a:p>
+        </p:txBody>
+      </p:sp>
+      <p:sp>
+        <p:nvSpPr>
+          <p:cNvPr id="6" name="Прямоугольник 5"/>
+          <p:cNvSpPr/>
+          <p:nvPr/>
+        </p:nvSpPr>
+        <p:spPr>
+          <a:xfrm>
+            <a:off x="3021583" y="2965335"/>
+            <a:ext cx="5199996" cy="339339"/>
+          </a:xfrm>
+          <a:prstGeom prst="rect">
+            <a:avLst/>
+          </a:prstGeom>
+          <a:noFill/>
+        </p:spPr>
+        <p:style>
+          <a:lnRef idx="2">
+            <a:schemeClr val="accent1">
+              <a:shade val="50000"/>
+            </a:schemeClr>
+          </a:lnRef>
+          <a:fillRef idx="1">
+            <a:schemeClr val="accent1"/>
+          </a:fillRef>
+          <a:effectRef idx="0">
+            <a:schemeClr val="accent1"/>
+          </a:effectRef>
+          <a:fontRef idx="minor">
+            <a:schemeClr val="lt1"/>
+          </a:fontRef>
+        </p:style>
+        <p:txBody>
+          <a:bodyPr rtlCol="0" anchor="ctr"/>
+          <a:lstStyle/>
+          <a:p>
+            <a:pPr algn="ctr"/>
+            <a:r>
+              <a:rPr lang="ru-RU" dirty="0" smtClean="0">
+                <a:solidFill>
+                  <a:schemeClr val="tx1"/>
+                </a:solidFill>
+              </a:rPr>
+              <a:t>В первую строку поместить имя пользователя</a:t>
+            </a:r>
+            <a:endParaRPr lang="ru-RU" dirty="0">
+              <a:solidFill>
+                <a:schemeClr val="tx1"/>
+              </a:solidFill>
+            </a:endParaRPr>
+          </a:p>
+        </p:txBody>
+      </p:sp>
+      <p:sp>
+        <p:nvSpPr>
+          <p:cNvPr id="7" name="Прямоугольник 6"/>
+          <p:cNvSpPr/>
+          <p:nvPr/>
+        </p:nvSpPr>
+        <p:spPr>
+          <a:xfrm>
+            <a:off x="2537322" y="4081140"/>
+            <a:ext cx="6168517" cy="421111"/>
+          </a:xfrm>
+          <a:prstGeom prst="rect">
+            <a:avLst/>
+          </a:prstGeom>
+          <a:noFill/>
+        </p:spPr>
+        <p:style>
+          <a:lnRef idx="2">
+            <a:schemeClr val="accent1">
+              <a:shade val="50000"/>
+            </a:schemeClr>
+          </a:lnRef>
+          <a:fillRef idx="1">
+            <a:schemeClr val="accent1"/>
+          </a:fillRef>
+          <a:effectRef idx="0">
+            <a:schemeClr val="accent1"/>
+          </a:effectRef>
+          <a:fontRef idx="minor">
+            <a:schemeClr val="lt1"/>
+          </a:fontRef>
+        </p:style>
+        <p:txBody>
+          <a:bodyPr rtlCol="0" anchor="ctr"/>
+          <a:lstStyle/>
+          <a:p>
+            <a:pPr algn="ctr"/>
+            <a:r>
+              <a:rPr lang="ru-RU" dirty="0" smtClean="0">
+                <a:solidFill>
+                  <a:schemeClr val="tx1"/>
+                </a:solidFill>
+              </a:rPr>
+              <a:t>Во третью строку поместить имя запрашиваемого ресурса</a:t>
+            </a:r>
+            <a:endParaRPr lang="ru-RU" dirty="0">
+              <a:solidFill>
+                <a:schemeClr val="tx1"/>
+              </a:solidFill>
+            </a:endParaRPr>
+          </a:p>
+        </p:txBody>
+      </p:sp>
+      <p:sp>
+        <p:nvSpPr>
+          <p:cNvPr id="8" name="Прямоугольник 7"/>
+          <p:cNvSpPr/>
+          <p:nvPr/>
+        </p:nvSpPr>
+        <p:spPr>
+          <a:xfrm>
+            <a:off x="2537322" y="4676782"/>
+            <a:ext cx="6168517" cy="421111"/>
+          </a:xfrm>
+          <a:prstGeom prst="rect">
+            <a:avLst/>
+          </a:prstGeom>
+          <a:noFill/>
+        </p:spPr>
+        <p:style>
+          <a:lnRef idx="2">
+            <a:schemeClr val="accent1">
+              <a:shade val="50000"/>
+            </a:schemeClr>
+          </a:lnRef>
+          <a:fillRef idx="1">
+            <a:schemeClr val="accent1"/>
+          </a:fillRef>
+          <a:effectRef idx="0">
+            <a:schemeClr val="accent1"/>
+          </a:effectRef>
+          <a:fontRef idx="minor">
+            <a:schemeClr val="lt1"/>
+          </a:fontRef>
+        </p:style>
+        <p:txBody>
+          <a:bodyPr rtlCol="0" anchor="ctr"/>
+          <a:lstStyle/>
+          <a:p>
+            <a:pPr algn="ctr"/>
+            <a:r>
+              <a:rPr lang="ru-RU" dirty="0" smtClean="0">
+                <a:solidFill>
+                  <a:schemeClr val="tx1"/>
+                </a:solidFill>
+              </a:rPr>
+              <a:t>Зашифровать третью строку закрытым ключом пользователя </a:t>
+            </a:r>
+            <a:endParaRPr lang="ru-RU" dirty="0">
+              <a:solidFill>
+                <a:schemeClr val="tx1"/>
+              </a:solidFill>
+            </a:endParaRPr>
+          </a:p>
+        </p:txBody>
+      </p:sp>
+      <p:sp>
+        <p:nvSpPr>
+          <p:cNvPr id="9" name="Прямоугольник 8"/>
+          <p:cNvSpPr/>
+          <p:nvPr/>
+        </p:nvSpPr>
+        <p:spPr>
+          <a:xfrm>
+            <a:off x="2537321" y="5272424"/>
+            <a:ext cx="6168517" cy="421111"/>
+          </a:xfrm>
+          <a:prstGeom prst="rect">
+            <a:avLst/>
+          </a:prstGeom>
+          <a:noFill/>
+        </p:spPr>
+        <p:style>
+          <a:lnRef idx="2">
+            <a:schemeClr val="accent1">
+              <a:shade val="50000"/>
+            </a:schemeClr>
+          </a:lnRef>
+          <a:fillRef idx="1">
+            <a:schemeClr val="accent1"/>
+          </a:fillRef>
+          <a:effectRef idx="0">
+            <a:schemeClr val="accent1"/>
+          </a:effectRef>
+          <a:fontRef idx="minor">
+            <a:schemeClr val="lt1"/>
+          </a:fontRef>
+        </p:style>
+        <p:txBody>
+          <a:bodyPr rtlCol="0" anchor="ctr"/>
+          <a:lstStyle/>
+          <a:p>
+            <a:pPr algn="ctr"/>
+            <a:r>
+              <a:rPr lang="ru-RU" dirty="0" smtClean="0">
+                <a:solidFill>
+                  <a:schemeClr val="tx1"/>
+                </a:solidFill>
+              </a:rPr>
+              <a:t>Отправить сообщение на </a:t>
+            </a:r>
+            <a:r>
+              <a:rPr lang="en-US" dirty="0" smtClean="0">
+                <a:solidFill>
+                  <a:schemeClr val="tx1"/>
+                </a:solidFill>
+              </a:rPr>
+              <a:t>KDC</a:t>
+            </a:r>
+            <a:endParaRPr lang="ru-RU" dirty="0">
+              <a:solidFill>
+                <a:schemeClr val="tx1"/>
+              </a:solidFill>
+            </a:endParaRPr>
+          </a:p>
+        </p:txBody>
+      </p:sp>
+      <p:sp>
+        <p:nvSpPr>
+          <p:cNvPr id="10" name="Овал 9"/>
+          <p:cNvSpPr/>
+          <p:nvPr/>
+        </p:nvSpPr>
+        <p:spPr>
+          <a:xfrm>
+            <a:off x="4624963" y="5909434"/>
+            <a:ext cx="1993232" cy="775253"/>
+          </a:xfrm>
+          <a:prstGeom prst="ellipse">
+            <a:avLst/>
+          </a:prstGeom>
+          <a:noFill/>
+        </p:spPr>
+        <p:style>
+          <a:lnRef idx="2">
+            <a:schemeClr val="accent1">
+              <a:shade val="50000"/>
+            </a:schemeClr>
+          </a:lnRef>
+          <a:fillRef idx="1">
+            <a:schemeClr val="accent1"/>
+          </a:fillRef>
+          <a:effectRef idx="0">
+            <a:schemeClr val="accent1"/>
+          </a:effectRef>
+          <a:fontRef idx="minor">
+            <a:schemeClr val="lt1"/>
+          </a:fontRef>
+        </p:style>
+        <p:txBody>
+          <a:bodyPr rtlCol="0" anchor="ctr"/>
+          <a:lstStyle/>
+          <a:p>
+            <a:pPr algn="ctr"/>
+            <a:r>
+              <a:rPr lang="ru-RU" dirty="0" smtClean="0">
+                <a:solidFill>
+                  <a:schemeClr val="tx1"/>
+                </a:solidFill>
+              </a:rPr>
+              <a:t>Конец</a:t>
+            </a:r>
+            <a:endParaRPr lang="ru-RU" dirty="0">
+              <a:solidFill>
+                <a:schemeClr val="tx1"/>
+              </a:solidFill>
+            </a:endParaRPr>
+          </a:p>
+        </p:txBody>
+      </p:sp>
+      <p:cxnSp>
+        <p:nvCxnSpPr>
+          <p:cNvPr id="11" name="Прямая со стрелкой 10"/>
+          <p:cNvCxnSpPr>
+            <a:stCxn id="2" idx="4"/>
+            <a:endCxn id="3" idx="0"/>
+          </p:cNvCxnSpPr>
+          <p:nvPr/>
+        </p:nvCxnSpPr>
+        <p:spPr>
+          <a:xfrm>
+            <a:off x="5621579" y="2165580"/>
+            <a:ext cx="3969" cy="234630"/>
+          </a:xfrm>
+          <a:prstGeom prst="straightConnector1">
+            <a:avLst/>
+          </a:prstGeom>
+          <a:ln>
+            <a:tailEnd type="triangle"/>
+          </a:ln>
+        </p:spPr>
+        <p:style>
+          <a:lnRef idx="1">
+            <a:schemeClr val="accent1"/>
+          </a:lnRef>
+          <a:fillRef idx="0">
+            <a:schemeClr val="accent1"/>
+          </a:fillRef>
+          <a:effectRef idx="0">
+            <a:schemeClr val="accent1"/>
+          </a:effectRef>
+          <a:fontRef idx="minor">
+            <a:schemeClr val="tx1"/>
+          </a:fontRef>
+        </p:style>
+      </p:cxnSp>
+      <p:cxnSp>
+        <p:nvCxnSpPr>
+          <p:cNvPr id="13" name="Прямая со стрелкой 12"/>
+          <p:cNvCxnSpPr>
+            <a:stCxn id="3" idx="2"/>
+            <a:endCxn id="6" idx="0"/>
+          </p:cNvCxnSpPr>
+          <p:nvPr/>
+        </p:nvCxnSpPr>
+        <p:spPr>
+          <a:xfrm flipH="1">
+            <a:off x="5621581" y="2806493"/>
+            <a:ext cx="3967" cy="158842"/>
+          </a:xfrm>
+          <a:prstGeom prst="straightConnector1">
+            <a:avLst/>
+          </a:prstGeom>
+          <a:ln>
+            <a:tailEnd type="triangle"/>
+          </a:ln>
+        </p:spPr>
+        <p:style>
+          <a:lnRef idx="1">
+            <a:schemeClr val="accent1"/>
+          </a:lnRef>
+          <a:fillRef idx="0">
+            <a:schemeClr val="accent1"/>
+          </a:fillRef>
+          <a:effectRef idx="0">
+            <a:schemeClr val="accent1"/>
+          </a:effectRef>
+          <a:fontRef idx="minor">
+            <a:schemeClr val="tx1"/>
+          </a:fontRef>
+        </p:style>
+      </p:cxnSp>
+      <p:cxnSp>
+        <p:nvCxnSpPr>
+          <p:cNvPr id="15" name="Прямая со стрелкой 14"/>
+          <p:cNvCxnSpPr>
+            <a:stCxn id="6" idx="2"/>
+            <a:endCxn id="5" idx="0"/>
+          </p:cNvCxnSpPr>
+          <p:nvPr/>
+        </p:nvCxnSpPr>
+        <p:spPr>
+          <a:xfrm>
+            <a:off x="5621581" y="3304674"/>
+            <a:ext cx="0" cy="180824"/>
+          </a:xfrm>
+          <a:prstGeom prst="straightConnector1">
+            <a:avLst/>
+          </a:prstGeom>
+          <a:ln>
+            <a:tailEnd type="triangle"/>
+          </a:ln>
+        </p:spPr>
+        <p:style>
+          <a:lnRef idx="1">
+            <a:schemeClr val="accent1"/>
+          </a:lnRef>
+          <a:fillRef idx="0">
+            <a:schemeClr val="accent1"/>
+          </a:fillRef>
+          <a:effectRef idx="0">
+            <a:schemeClr val="accent1"/>
+          </a:effectRef>
+          <a:fontRef idx="minor">
+            <a:schemeClr val="tx1"/>
+          </a:fontRef>
+        </p:style>
+      </p:cxnSp>
+      <p:cxnSp>
+        <p:nvCxnSpPr>
+          <p:cNvPr id="17" name="Прямая со стрелкой 16"/>
+          <p:cNvCxnSpPr>
+            <a:stCxn id="5" idx="2"/>
+            <a:endCxn id="7" idx="0"/>
+          </p:cNvCxnSpPr>
+          <p:nvPr/>
+        </p:nvCxnSpPr>
+        <p:spPr>
+          <a:xfrm>
+            <a:off x="5621581" y="3906609"/>
+            <a:ext cx="0" cy="174531"/>
+          </a:xfrm>
+          <a:prstGeom prst="straightConnector1">
+            <a:avLst/>
+          </a:prstGeom>
+          <a:ln>
+            <a:tailEnd type="triangle"/>
+          </a:ln>
+        </p:spPr>
+        <p:style>
+          <a:lnRef idx="1">
+            <a:schemeClr val="accent1"/>
+          </a:lnRef>
+          <a:fillRef idx="0">
+            <a:schemeClr val="accent1"/>
+          </a:fillRef>
+          <a:effectRef idx="0">
+            <a:schemeClr val="accent1"/>
+          </a:effectRef>
+          <a:fontRef idx="minor">
+            <a:schemeClr val="tx1"/>
+          </a:fontRef>
+        </p:style>
+      </p:cxnSp>
+      <p:cxnSp>
+        <p:nvCxnSpPr>
+          <p:cNvPr id="19" name="Прямая со стрелкой 18"/>
+          <p:cNvCxnSpPr>
+            <a:stCxn id="7" idx="2"/>
+            <a:endCxn id="8" idx="0"/>
+          </p:cNvCxnSpPr>
+          <p:nvPr/>
+        </p:nvCxnSpPr>
+        <p:spPr>
+          <a:xfrm>
+            <a:off x="5621581" y="4502251"/>
+            <a:ext cx="0" cy="174531"/>
+          </a:xfrm>
+          <a:prstGeom prst="straightConnector1">
+            <a:avLst/>
+          </a:prstGeom>
+          <a:ln>
+            <a:tailEnd type="triangle"/>
+          </a:ln>
+        </p:spPr>
+        <p:style>
+          <a:lnRef idx="1">
+            <a:schemeClr val="accent1"/>
+          </a:lnRef>
+          <a:fillRef idx="0">
+            <a:schemeClr val="accent1"/>
+          </a:fillRef>
+          <a:effectRef idx="0">
+            <a:schemeClr val="accent1"/>
+          </a:effectRef>
+          <a:fontRef idx="minor">
+            <a:schemeClr val="tx1"/>
+          </a:fontRef>
+        </p:style>
+      </p:cxnSp>
+      <p:cxnSp>
+        <p:nvCxnSpPr>
+          <p:cNvPr id="21" name="Прямая со стрелкой 20"/>
+          <p:cNvCxnSpPr>
+            <a:stCxn id="8" idx="2"/>
+            <a:endCxn id="9" idx="0"/>
+          </p:cNvCxnSpPr>
+          <p:nvPr/>
+        </p:nvCxnSpPr>
+        <p:spPr>
+          <a:xfrm flipH="1">
+            <a:off x="5621580" y="5097893"/>
+            <a:ext cx="1" cy="174531"/>
+          </a:xfrm>
+          <a:prstGeom prst="straightConnector1">
+            <a:avLst/>
+          </a:prstGeom>
+          <a:ln>
+            <a:tailEnd type="triangle"/>
+          </a:ln>
+        </p:spPr>
+        <p:style>
+          <a:lnRef idx="1">
+            <a:schemeClr val="accent1"/>
+          </a:lnRef>
+          <a:fillRef idx="0">
+            <a:schemeClr val="accent1"/>
+          </a:fillRef>
+          <a:effectRef idx="0">
+            <a:schemeClr val="accent1"/>
+          </a:effectRef>
+          <a:fontRef idx="minor">
+            <a:schemeClr val="tx1"/>
+          </a:fontRef>
+        </p:style>
+      </p:cxnSp>
+      <p:cxnSp>
+        <p:nvCxnSpPr>
+          <p:cNvPr id="23" name="Прямая со стрелкой 22"/>
+          <p:cNvCxnSpPr>
+            <a:stCxn id="9" idx="2"/>
+            <a:endCxn id="10" idx="0"/>
+          </p:cNvCxnSpPr>
+          <p:nvPr/>
+        </p:nvCxnSpPr>
+        <p:spPr>
+          <a:xfrm flipH="1">
+            <a:off x="5621579" y="5693535"/>
+            <a:ext cx="1" cy="215899"/>
+          </a:xfrm>
+          <a:prstGeom prst="straightConnector1">
+            <a:avLst/>
+          </a:prstGeom>
+          <a:ln>
+            <a:tailEnd type="triangle"/>
+          </a:ln>
+        </p:spPr>
+        <p:style>
+          <a:lnRef idx="1">
+            <a:schemeClr val="accent1"/>
+          </a:lnRef>
+          <a:fillRef idx="0">
+            <a:schemeClr val="accent1"/>
+          </a:fillRef>
+          <a:effectRef idx="0">
+            <a:schemeClr val="accent1"/>
+          </a:effectRef>
+          <a:fontRef idx="minor">
+            <a:schemeClr val="tx1"/>
+          </a:fontRef>
+        </p:style>
+      </p:cxnSp>
+    </p:spTree>
+  </p:cSld>
+  <p:clrMapOvr>
+    <a:masterClrMapping/>
+  </p:clrMapOvr>
+  <p:timing>
+    <p:tnLst>
+      <p:par>
+        <p:cTn id="1" dur="indefinite" restart="never" nodeType="tmRoot"/>
+      </p:par>
+    </p:tnLst>
+  </p:timing>
+</p:sld>
+</file>
+
+<file path=ppt/slides/slide22.xml><?xml version="1.0" encoding="utf-8"?>
+<p:sld xmlns:a="http://schemas.openxmlformats.org/drawingml/2006/main" xmlns:r="http://schemas.openxmlformats.org/officeDocument/2006/relationships" xmlns:p="http://schemas.openxmlformats.org/presentationml/2006/main">
+  <p:cSld>
+    <p:spTree>
+      <p:nvGrpSpPr>
+        <p:cNvPr id="1" name=""/>
+        <p:cNvGrpSpPr/>
+        <p:nvPr/>
+      </p:nvGrpSpPr>
+      <p:grpSpPr>
+        <a:xfrm>
+          <a:off x="0" y="0"/>
+          <a:ext cx="0" cy="0"/>
+          <a:chOff x="0" y="0"/>
+          <a:chExt cx="0" cy="0"/>
+        </a:xfrm>
+      </p:grpSpPr>
+      <p:sp>
+        <p:nvSpPr>
           <p:cNvPr id="34818" name="Rectangle 2"/>
           <p:cNvSpPr>
             <a:spLocks noGrp="1"/>
@@ -9566,7 +10589,7 @@
 </p:sld>
 </file>
 
-<file path=ppt/slides/slide22.xml><?xml version="1.0" encoding="utf-8"?>
+<file path=ppt/slides/slide23.xml><?xml version="1.0" encoding="utf-8"?>
 <p:sld xmlns:a="http://schemas.openxmlformats.org/drawingml/2006/main" xmlns:r="http://schemas.openxmlformats.org/officeDocument/2006/relationships" xmlns:p="http://schemas.openxmlformats.org/presentationml/2006/main">
   <p:cSld>
     <p:spTree>
@@ -11426,7 +12449,7 @@
 </p:sld>
 </file>
 
-<file path=ppt/slides/slide23.xml><?xml version="1.0" encoding="utf-8"?>
+<file path=ppt/slides/slide24.xml><?xml version="1.0" encoding="utf-8"?>
 <p:sld xmlns:a="http://schemas.openxmlformats.org/drawingml/2006/main" xmlns:r="http://schemas.openxmlformats.org/officeDocument/2006/relationships" xmlns:p="http://schemas.openxmlformats.org/presentationml/2006/main">
   <p:cSld>
     <p:spTree>
@@ -11555,7 +12578,7 @@
 </p:sld>
 </file>
 
-<file path=ppt/slides/slide24.xml><?xml version="1.0" encoding="utf-8"?>
+<file path=ppt/slides/slide25.xml><?xml version="1.0" encoding="utf-8"?>
 <p:sld xmlns:a="http://schemas.openxmlformats.org/drawingml/2006/main" xmlns:r="http://schemas.openxmlformats.org/officeDocument/2006/relationships" xmlns:p="http://schemas.openxmlformats.org/presentationml/2006/main">
   <p:cSld>
     <p:spTree>
@@ -11958,7 +12981,7 @@
               <a:buNone/>
             </a:pPr>
             <a:r>
-              <a:rPr lang="ru-RU" altLang="ru-RU" smtClean="0"/>
+              <a:rPr lang="ru-RU" altLang="ru-RU" dirty="0" smtClean="0"/>
               <a:t>Процессы аутентификации и авторизации позволяют реализовать разделения прав доступа, что необходимо в большинстве приложений</a:t>
             </a:r>
           </a:p>
